--- a/hercules2024_A_intro.pptx
+++ b/hercules2024_A_intro.pptx
@@ -249,7 +249,7 @@
             <a:fld id="{D680E798-53FF-4C51-A981-953463752515}" type="datetimeFigureOut">
               <a:rPr lang="fr-FR" smtClean="0"/>
               <a:pPr/>
-              <a:t>24/03/2023</a:t>
+              <a:t>20/03/2024</a:t>
             </a:fld>
             <a:endParaRPr lang="fr-FR"/>
           </a:p>
@@ -769,7 +769,7 @@
           <a:p>
             <a:r>
               <a:rPr lang="en-US" noProof="0" smtClean="0"/>
-              <a:t>OASYS-Intro | HERCULES2023</a:t>
+              <a:t>OASYS-Intro | HERCULES2024</a:t>
             </a:r>
             <a:endParaRPr lang="en-US" noProof="0" dirty="0"/>
           </a:p>
@@ -1100,7 +1100,7 @@
           <a:p>
             <a:r>
               <a:rPr lang="en-US" noProof="0" smtClean="0"/>
-              <a:t>OASYS-Intro | HERCULES2023</a:t>
+              <a:t>OASYS-Intro | HERCULES2024</a:t>
             </a:r>
             <a:endParaRPr lang="en-US" noProof="0"/>
           </a:p>
@@ -1290,7 +1290,7 @@
           <a:p>
             <a:r>
               <a:rPr lang="en-US" noProof="0" smtClean="0"/>
-              <a:t>OASYS-Intro | HERCULES2023</a:t>
+              <a:t>OASYS-Intro | HERCULES2024</a:t>
             </a:r>
             <a:endParaRPr lang="en-US" noProof="0"/>
           </a:p>
@@ -1412,7 +1412,7 @@
           <a:p>
             <a:r>
               <a:rPr lang="en-US" noProof="0" smtClean="0"/>
-              <a:t>OASYS-Intro | HERCULES2023</a:t>
+              <a:t>OASYS-Intro | HERCULES2024</a:t>
             </a:r>
             <a:endParaRPr lang="en-US" noProof="0"/>
           </a:p>
@@ -1646,7 +1646,7 @@
           <a:p>
             <a:r>
               <a:rPr lang="en-US" smtClean="0"/>
-              <a:t>OASYS-Intro | HERCULES2023</a:t>
+              <a:t>OASYS-Intro | HERCULES2024</a:t>
             </a:r>
             <a:endParaRPr lang="fr-FR" dirty="0"/>
           </a:p>
@@ -2121,7 +2121,7 @@
           <a:p>
             <a:r>
               <a:rPr lang="en-US" smtClean="0"/>
-              <a:t>OASYS-Intro | HERCULES2023</a:t>
+              <a:t>OASYS-Intro | HERCULES2024</a:t>
             </a:r>
             <a:endParaRPr lang="fr-FR" dirty="0"/>
           </a:p>
@@ -3254,7 +3254,7 @@
           <a:p>
             <a:r>
               <a:rPr lang="en-US" noProof="0" smtClean="0"/>
-              <a:t>OASYS-Intro | HERCULES2023</a:t>
+              <a:t>OASYS-Intro | HERCULES2024</a:t>
             </a:r>
             <a:endParaRPr lang="en-US" noProof="0"/>
           </a:p>
@@ -3650,7 +3650,7 @@
           <a:p>
             <a:r>
               <a:rPr lang="en-US" noProof="0" smtClean="0"/>
-              <a:t>OASYS-Intro | HERCULES2023</a:t>
+              <a:t>OASYS-Intro | HERCULES2024</a:t>
             </a:r>
             <a:endParaRPr lang="en-US" noProof="0"/>
           </a:p>
@@ -5290,7 +5290,7 @@
           <a:p>
             <a:r>
               <a:rPr lang="en-US" noProof="0" smtClean="0"/>
-              <a:t>OASYS-Intro | HERCULES2023</a:t>
+              <a:t>OASYS-Intro | HERCULES2024</a:t>
             </a:r>
             <a:endParaRPr lang="en-US" noProof="0"/>
           </a:p>
@@ -5630,7 +5630,7 @@
           <a:p>
             <a:r>
               <a:rPr lang="en-US" noProof="0" smtClean="0"/>
-              <a:t>OASYS-Intro | HERCULES2023</a:t>
+              <a:t>OASYS-Intro | HERCULES2024</a:t>
             </a:r>
             <a:endParaRPr lang="en-US" noProof="0"/>
           </a:p>
@@ -6108,7 +6108,7 @@
           <a:p>
             <a:r>
               <a:rPr lang="en-US" noProof="0" smtClean="0"/>
-              <a:t>OASYS-Intro | HERCULES2023</a:t>
+              <a:t>OASYS-Intro | HERCULES2024</a:t>
             </a:r>
             <a:endParaRPr lang="en-US" noProof="0"/>
           </a:p>
@@ -6310,7 +6310,7 @@
           <a:p>
             <a:r>
               <a:rPr lang="en-US" noProof="0" smtClean="0"/>
-              <a:t>OASYS-Intro | HERCULES2023</a:t>
+              <a:t>OASYS-Intro | HERCULES2024</a:t>
             </a:r>
             <a:endParaRPr lang="en-US" noProof="0"/>
           </a:p>
@@ -6636,31 +6636,15 @@
             </a:r>
             <a:r>
               <a:rPr lang="en-US" sz="1167" dirty="0" smtClean="0"/>
-              <a:t>27</a:t>
+              <a:t>22</a:t>
             </a:r>
             <a:r>
               <a:rPr lang="en-US" sz="1167" baseline="30000" dirty="0" smtClean="0"/>
-              <a:t>th</a:t>
+              <a:t>nd</a:t>
             </a:r>
             <a:r>
               <a:rPr lang="en-US" sz="1167" dirty="0" smtClean="0"/>
-              <a:t> </a:t>
-            </a:r>
-            <a:r>
-              <a:rPr lang="en-US" sz="1167" dirty="0" smtClean="0"/>
-              <a:t>&amp; </a:t>
-            </a:r>
-            <a:r>
-              <a:rPr lang="en-US" sz="1167" dirty="0" smtClean="0"/>
-              <a:t>30</a:t>
-            </a:r>
-            <a:r>
-              <a:rPr lang="en-US" sz="1167" baseline="30000" dirty="0" smtClean="0"/>
-              <a:t>th</a:t>
-            </a:r>
-            <a:r>
-              <a:rPr lang="en-US" sz="1167" dirty="0" smtClean="0"/>
-              <a:t> 2023</a:t>
+              <a:t>, 2024</a:t>
             </a:r>
             <a:endParaRPr lang="en-US" sz="1167" dirty="0"/>
           </a:p>
@@ -6719,7 +6703,7 @@
           <a:p>
             <a:r>
               <a:rPr lang="en-GB" sz="833" smtClean="0"/>
-              <a:t>OASYS-Intro | HERCULES2023</a:t>
+              <a:t>OASYS-Intro | HERCULES2024</a:t>
             </a:r>
             <a:endParaRPr lang="fr-FR" sz="833" dirty="0"/>
           </a:p>
@@ -6919,7 +6903,7 @@
           <a:p>
             <a:r>
               <a:rPr lang="en-US" noProof="0" smtClean="0"/>
-              <a:t>OASYS-Intro | HERCULES2023</a:t>
+              <a:t>OASYS-Intro | HERCULES2024</a:t>
             </a:r>
             <a:endParaRPr lang="en-US" noProof="0"/>
           </a:p>
@@ -7150,7 +7134,7 @@
           <a:p>
             <a:r>
               <a:rPr lang="en-US" noProof="0" smtClean="0"/>
-              <a:t>OASYS-Intro | HERCULES2023</a:t>
+              <a:t>OASYS-Intro | HERCULES2024</a:t>
             </a:r>
             <a:endParaRPr lang="en-US" noProof="0"/>
           </a:p>
@@ -7408,7 +7392,7 @@
           <a:p>
             <a:r>
               <a:rPr lang="en-US" noProof="0" smtClean="0"/>
-              <a:t>OASYS-Intro | HERCULES2023</a:t>
+              <a:t>OASYS-Intro | HERCULES2024</a:t>
             </a:r>
             <a:endParaRPr lang="en-US" noProof="0"/>
           </a:p>
@@ -9045,7 +9029,7 @@
           <a:p>
             <a:r>
               <a:rPr lang="en-US" noProof="0" smtClean="0"/>
-              <a:t>OASYS-Intro | HERCULES2023</a:t>
+              <a:t>OASYS-Intro | HERCULES2024</a:t>
             </a:r>
             <a:endParaRPr lang="en-US" noProof="0"/>
           </a:p>
@@ -9856,7 +9840,7 @@
           <a:p>
             <a:r>
               <a:rPr lang="en-US" noProof="0" smtClean="0"/>
-              <a:t>OASYS-Intro | HERCULES2023</a:t>
+              <a:t>OASYS-Intro | HERCULES2024</a:t>
             </a:r>
             <a:endParaRPr lang="en-US" noProof="0"/>
           </a:p>
@@ -10352,7 +10336,7 @@
           <a:p>
             <a:r>
               <a:rPr lang="en-US" noProof="0" smtClean="0"/>
-              <a:t>OASYS-Intro | HERCULES2023</a:t>
+              <a:t>OASYS-Intro | HERCULES2024</a:t>
             </a:r>
             <a:endParaRPr lang="en-US" noProof="0"/>
           </a:p>
@@ -11001,7 +10985,7 @@
           <a:p>
             <a:r>
               <a:rPr lang="en-US" noProof="0" smtClean="0"/>
-              <a:t>OASYS-Intro | HERCULES2023</a:t>
+              <a:t>OASYS-Intro | HERCULES2024</a:t>
             </a:r>
             <a:endParaRPr lang="en-US" noProof="0"/>
           </a:p>
